--- a/database/slides/AFTER_ALL_THESE_YEARS.pptx
+++ b/database/slides/AFTER_ALL_THESE_YEARS.pptx
@@ -210,7 +210,7 @@
           <a:p>
             <a:fld id="{B7268E1E-0E44-426D-905E-8AD9B19D2182}" type="datetimeFigureOut">
               <a:rPr lang="cs-CZ" smtClean="0"/>
-              <a:t>07.04.2024</a:t>
+              <a:t>05.05.2024</a:t>
             </a:fld>
             <a:endParaRPr lang="cs-CZ"/>
           </a:p>
@@ -1317,7 +1317,7 @@
             <a:fld id="{1D8BD707-D9CF-40AE-B4C6-C98DA3205C09}" type="datetimeFigureOut">
               <a:rPr lang="en-US" smtClean="0"/>
               <a:pPr/>
-              <a:t>4/7/2024</a:t>
+              <a:t>5/5/2024</a:t>
             </a:fld>
             <a:endParaRPr lang="en-US"/>
           </a:p>
@@ -1482,7 +1482,7 @@
             <a:fld id="{1D8BD707-D9CF-40AE-B4C6-C98DA3205C09}" type="datetimeFigureOut">
               <a:rPr lang="en-US" smtClean="0"/>
               <a:pPr/>
-              <a:t>4/7/2024</a:t>
+              <a:t>5/5/2024</a:t>
             </a:fld>
             <a:endParaRPr lang="en-US"/>
           </a:p>
@@ -1657,7 +1657,7 @@
             <a:fld id="{1D8BD707-D9CF-40AE-B4C6-C98DA3205C09}" type="datetimeFigureOut">
               <a:rPr lang="en-US" smtClean="0"/>
               <a:pPr/>
-              <a:t>4/7/2024</a:t>
+              <a:t>5/5/2024</a:t>
             </a:fld>
             <a:endParaRPr lang="en-US"/>
           </a:p>
@@ -1822,7 +1822,7 @@
             <a:fld id="{1D8BD707-D9CF-40AE-B4C6-C98DA3205C09}" type="datetimeFigureOut">
               <a:rPr lang="en-US" smtClean="0"/>
               <a:pPr/>
-              <a:t>4/7/2024</a:t>
+              <a:t>5/5/2024</a:t>
             </a:fld>
             <a:endParaRPr lang="en-US"/>
           </a:p>
@@ -2064,7 +2064,7 @@
             <a:fld id="{1D8BD707-D9CF-40AE-B4C6-C98DA3205C09}" type="datetimeFigureOut">
               <a:rPr lang="en-US" smtClean="0"/>
               <a:pPr/>
-              <a:t>4/7/2024</a:t>
+              <a:t>5/5/2024</a:t>
             </a:fld>
             <a:endParaRPr lang="en-US"/>
           </a:p>
@@ -2346,7 +2346,7 @@
             <a:fld id="{1D8BD707-D9CF-40AE-B4C6-C98DA3205C09}" type="datetimeFigureOut">
               <a:rPr lang="en-US" smtClean="0"/>
               <a:pPr/>
-              <a:t>4/7/2024</a:t>
+              <a:t>5/5/2024</a:t>
             </a:fld>
             <a:endParaRPr lang="en-US"/>
           </a:p>
@@ -2762,7 +2762,7 @@
             <a:fld id="{1D8BD707-D9CF-40AE-B4C6-C98DA3205C09}" type="datetimeFigureOut">
               <a:rPr lang="en-US" smtClean="0"/>
               <a:pPr/>
-              <a:t>4/7/2024</a:t>
+              <a:t>5/5/2024</a:t>
             </a:fld>
             <a:endParaRPr lang="en-US"/>
           </a:p>
@@ -2876,7 +2876,7 @@
             <a:fld id="{1D8BD707-D9CF-40AE-B4C6-C98DA3205C09}" type="datetimeFigureOut">
               <a:rPr lang="en-US" smtClean="0"/>
               <a:pPr/>
-              <a:t>4/7/2024</a:t>
+              <a:t>5/5/2024</a:t>
             </a:fld>
             <a:endParaRPr lang="en-US"/>
           </a:p>
@@ -2968,7 +2968,7 @@
             <a:fld id="{1D8BD707-D9CF-40AE-B4C6-C98DA3205C09}" type="datetimeFigureOut">
               <a:rPr lang="en-US" smtClean="0"/>
               <a:pPr/>
-              <a:t>4/7/2024</a:t>
+              <a:t>5/5/2024</a:t>
             </a:fld>
             <a:endParaRPr lang="en-US"/>
           </a:p>
@@ -3240,7 +3240,7 @@
             <a:fld id="{1D8BD707-D9CF-40AE-B4C6-C98DA3205C09}" type="datetimeFigureOut">
               <a:rPr lang="en-US" smtClean="0"/>
               <a:pPr/>
-              <a:t>4/7/2024</a:t>
+              <a:t>5/5/2024</a:t>
             </a:fld>
             <a:endParaRPr lang="en-US"/>
           </a:p>
@@ -3489,7 +3489,7 @@
             <a:fld id="{1D8BD707-D9CF-40AE-B4C6-C98DA3205C09}" type="datetimeFigureOut">
               <a:rPr lang="en-US" smtClean="0"/>
               <a:pPr/>
-              <a:t>4/7/2024</a:t>
+              <a:t>5/5/2024</a:t>
             </a:fld>
             <a:endParaRPr lang="en-US"/>
           </a:p>
@@ -3697,7 +3697,7 @@
             <a:fld id="{1D8BD707-D9CF-40AE-B4C6-C98DA3205C09}" type="datetimeFigureOut">
               <a:rPr lang="en-US" smtClean="0"/>
               <a:pPr/>
-              <a:t>4/7/2024</a:t>
+              <a:t>5/5/2024</a:t>
             </a:fld>
             <a:endParaRPr lang="en-US"/>
           </a:p>
@@ -4257,27 +4257,6 @@
               </a:rPr>
               <a:t>how could I not say, “I still do”.</a:t>
             </a:r>
-          </a:p>
-          <a:p>
-            <a:pPr lvl="0" indent="0" algn="l" fontAlgn="t"/>
-            <a:endParaRPr lang="en-US" sz="3400" b="1" dirty="0">
-              <a:solidFill>
-                <a:srgbClr val="FFFFFF"/>
-              </a:solidFill>
-              <a:latin typeface="Calibri"/>
-            </a:endParaRPr>
-          </a:p>
-          <a:p>
-            <a:pPr lvl="0" indent="0" algn="l" fontAlgn="t"/>
-            <a:endParaRPr lang="en-US" sz="3400" b="1" dirty="0">
-              <a:solidFill>
-                <a:srgbClr val="FFFFFF"/>
-              </a:solidFill>
-              <a:latin typeface="Calibri"/>
-            </a:endParaRPr>
-          </a:p>
-          <a:p>
-            <a:pPr lvl="0" indent="0" algn="l" fontAlgn="t"/>
             <a:endParaRPr lang="en-US" sz="3400" b="1" i="0" u="none" dirty="0">
               <a:solidFill>
                 <a:srgbClr val="FFFFFF"/>
@@ -4308,7 +4287,7 @@
           <a:p>
             <a:pPr lvl="0" indent="0" algn="r" fontAlgn="ctr"/>
             <a:r>
-              <a:rPr lang="en-US" sz="3600" b="1" i="1" u="none">
+              <a:rPr lang="en-US" sz="3600" b="1" i="1" u="none" dirty="0">
                 <a:solidFill>
                   <a:srgbClr val="FFFF00"/>
                 </a:solidFill>
@@ -4539,27 +4518,6 @@
               </a:rPr>
               <a:t>how could I not say, “I still do”.</a:t>
             </a:r>
-          </a:p>
-          <a:p>
-            <a:pPr lvl="0" indent="0" algn="l" fontAlgn="t"/>
-            <a:endParaRPr lang="en-US" sz="3400" b="1" dirty="0">
-              <a:solidFill>
-                <a:srgbClr val="FFFFFF"/>
-              </a:solidFill>
-              <a:latin typeface="Calibri"/>
-            </a:endParaRPr>
-          </a:p>
-          <a:p>
-            <a:pPr lvl="0" indent="0" algn="l" fontAlgn="t"/>
-            <a:endParaRPr lang="en-US" sz="3400" b="1" dirty="0">
-              <a:solidFill>
-                <a:srgbClr val="FFFFFF"/>
-              </a:solidFill>
-              <a:latin typeface="Calibri"/>
-            </a:endParaRPr>
-          </a:p>
-          <a:p>
-            <a:pPr lvl="0" indent="0" algn="l" fontAlgn="t"/>
             <a:endParaRPr lang="en-US" sz="3400" b="1" i="0" u="none" dirty="0">
               <a:solidFill>
                 <a:srgbClr val="FFFFFF"/>
@@ -4809,29 +4767,17 @@
                 </a:solidFill>
                 <a:latin typeface="Calibri"/>
               </a:rPr>
-              <a:t>“I still do”.</a:t>
-            </a:r>
-          </a:p>
-          <a:p>
-            <a:pPr lvl="0" indent="0" algn="l" fontAlgn="t"/>
-            <a:endParaRPr lang="en-US" sz="3400" b="1" dirty="0">
-              <a:solidFill>
-                <a:srgbClr val="FFFFFF"/>
-              </a:solidFill>
-              <a:latin typeface="Calibri"/>
-            </a:endParaRPr>
-          </a:p>
-          <a:p>
-            <a:pPr lvl="0" indent="0" algn="l" fontAlgn="t"/>
-            <a:endParaRPr lang="en-US" sz="3400" b="1" dirty="0">
-              <a:solidFill>
-                <a:srgbClr val="FFFFFF"/>
-              </a:solidFill>
-              <a:latin typeface="Calibri"/>
-            </a:endParaRPr>
-          </a:p>
-          <a:p>
-            <a:pPr lvl="0" indent="0" algn="l" fontAlgn="t"/>
+              <a:t>“I still </a:t>
+            </a:r>
+            <a:r>
+              <a:rPr lang="en-US" sz="3400" b="1" i="1">
+                <a:solidFill>
+                  <a:srgbClr val="FFFFFF"/>
+                </a:solidFill>
+                <a:latin typeface="Calibri"/>
+              </a:rPr>
+              <a:t>do”.</a:t>
+            </a:r>
             <a:endParaRPr lang="en-US" sz="3400" b="1" i="0" u="none" dirty="0">
               <a:solidFill>
                 <a:srgbClr val="FFFFFF"/>
